--- a/Notes/Powerpoints/Bridge.pptx
+++ b/Notes/Powerpoints/Bridge.pptx
@@ -120,386 +120,6 @@
     <p1510:client id="{578B02CD-0C8E-435E-B478-C4B6D7975939}" v="91" dt="2019-05-17T20:19:36.795"/>
   </p1510:revLst>
 </p1510:revInfo>
-</file>
-
-<file path=ppt/changesInfos/changesInfo1.xml><?xml version="1.0" encoding="utf-8"?>
-<pc:chgInfo xmlns:a="http://schemas.openxmlformats.org/drawingml/2006/main" xmlns:r="http://schemas.openxmlformats.org/officeDocument/2006/relationships" xmlns:ac="http://schemas.microsoft.com/office/drawing/2013/main/command" xmlns:pc="http://schemas.microsoft.com/office/powerpoint/2013/main/command">
-  <pc:docChgLst>
-    <pc:chgData name="Cory Melendez" userId="6d3e901a-8604-460e-b419-46d12b5ab316" providerId="ADAL" clId="{578B02CD-0C8E-435E-B478-C4B6D7975939}"/>
-    <pc:docChg chg="undo custSel addSld delSld modSld">
-      <pc:chgData name="Cory Melendez" userId="6d3e901a-8604-460e-b419-46d12b5ab316" providerId="ADAL" clId="{578B02CD-0C8E-435E-B478-C4B6D7975939}" dt="2019-05-17T20:32:08.414" v="1471" actId="2696"/>
-      <pc:docMkLst>
-        <pc:docMk/>
-      </pc:docMkLst>
-      <pc:sldChg chg="modSp">
-        <pc:chgData name="Cory Melendez" userId="6d3e901a-8604-460e-b419-46d12b5ab316" providerId="ADAL" clId="{578B02CD-0C8E-435E-B478-C4B6D7975939}" dt="2019-05-17T18:29:34.308" v="149" actId="20577"/>
-        <pc:sldMkLst>
-          <pc:docMk/>
-          <pc:sldMk cId="3276895302" sldId="256"/>
-        </pc:sldMkLst>
-        <pc:spChg chg="mod">
-          <ac:chgData name="Cory Melendez" userId="6d3e901a-8604-460e-b419-46d12b5ab316" providerId="ADAL" clId="{578B02CD-0C8E-435E-B478-C4B6D7975939}" dt="2019-05-17T18:18:24.174" v="74" actId="20577"/>
-          <ac:spMkLst>
-            <pc:docMk/>
-            <pc:sldMk cId="3276895302" sldId="256"/>
-            <ac:spMk id="2" creationId="{1F0E3005-E7D0-471D-8EBA-5DADA2960E16}"/>
-          </ac:spMkLst>
-        </pc:spChg>
-        <pc:spChg chg="mod">
-          <ac:chgData name="Cory Melendez" userId="6d3e901a-8604-460e-b419-46d12b5ab316" providerId="ADAL" clId="{578B02CD-0C8E-435E-B478-C4B6D7975939}" dt="2019-05-17T18:29:34.308" v="149" actId="20577"/>
-          <ac:spMkLst>
-            <pc:docMk/>
-            <pc:sldMk cId="3276895302" sldId="256"/>
-            <ac:spMk id="3" creationId="{EB069580-9515-4CA1-99E8-D9604888B24F}"/>
-          </ac:spMkLst>
-        </pc:spChg>
-      </pc:sldChg>
-      <pc:sldChg chg="modSp add del">
-        <pc:chgData name="Cory Melendez" userId="6d3e901a-8604-460e-b419-46d12b5ab316" providerId="ADAL" clId="{578B02CD-0C8E-435E-B478-C4B6D7975939}" dt="2019-05-17T20:32:08.414" v="1471" actId="2696"/>
-        <pc:sldMkLst>
-          <pc:docMk/>
-          <pc:sldMk cId="3273322578" sldId="257"/>
-        </pc:sldMkLst>
-        <pc:spChg chg="mod">
-          <ac:chgData name="Cory Melendez" userId="6d3e901a-8604-460e-b419-46d12b5ab316" providerId="ADAL" clId="{578B02CD-0C8E-435E-B478-C4B6D7975939}" dt="2019-05-17T18:19:09.509" v="142" actId="20577"/>
-          <ac:spMkLst>
-            <pc:docMk/>
-            <pc:sldMk cId="3273322578" sldId="257"/>
-            <ac:spMk id="2" creationId="{98D1B187-2CCE-4957-BDE6-9609ED777DD5}"/>
-          </ac:spMkLst>
-        </pc:spChg>
-      </pc:sldChg>
-      <pc:sldChg chg="modSp add">
-        <pc:chgData name="Cory Melendez" userId="6d3e901a-8604-460e-b419-46d12b5ab316" providerId="ADAL" clId="{578B02CD-0C8E-435E-B478-C4B6D7975939}" dt="2019-05-17T19:20:30.923" v="699" actId="20577"/>
-        <pc:sldMkLst>
-          <pc:docMk/>
-          <pc:sldMk cId="2107916926" sldId="258"/>
-        </pc:sldMkLst>
-        <pc:spChg chg="mod">
-          <ac:chgData name="Cory Melendez" userId="6d3e901a-8604-460e-b419-46d12b5ab316" providerId="ADAL" clId="{578B02CD-0C8E-435E-B478-C4B6D7975939}" dt="2019-05-17T19:17:31.881" v="171" actId="20577"/>
-          <ac:spMkLst>
-            <pc:docMk/>
-            <pc:sldMk cId="2107916926" sldId="258"/>
-            <ac:spMk id="2" creationId="{2ECBD130-1D48-4AF3-A3A8-C5133E2A75A3}"/>
-          </ac:spMkLst>
-        </pc:spChg>
-        <pc:spChg chg="mod">
-          <ac:chgData name="Cory Melendez" userId="6d3e901a-8604-460e-b419-46d12b5ab316" providerId="ADAL" clId="{578B02CD-0C8E-435E-B478-C4B6D7975939}" dt="2019-05-17T19:20:30.923" v="699" actId="20577"/>
-          <ac:spMkLst>
-            <pc:docMk/>
-            <pc:sldMk cId="2107916926" sldId="258"/>
-            <ac:spMk id="3" creationId="{90753FE7-C125-47BF-A574-43D69C7586C9}"/>
-          </ac:spMkLst>
-        </pc:spChg>
-      </pc:sldChg>
-      <pc:sldChg chg="addSp delSp modSp add del">
-        <pc:chgData name="Cory Melendez" userId="6d3e901a-8604-460e-b419-46d12b5ab316" providerId="ADAL" clId="{578B02CD-0C8E-435E-B478-C4B6D7975939}" dt="2019-05-17T19:30:53.919" v="962" actId="2696"/>
-        <pc:sldMkLst>
-          <pc:docMk/>
-          <pc:sldMk cId="2806804998" sldId="259"/>
-        </pc:sldMkLst>
-        <pc:spChg chg="mod">
-          <ac:chgData name="Cory Melendez" userId="6d3e901a-8604-460e-b419-46d12b5ab316" providerId="ADAL" clId="{578B02CD-0C8E-435E-B478-C4B6D7975939}" dt="2019-05-17T19:27:14.571" v="834" actId="1076"/>
-          <ac:spMkLst>
-            <pc:docMk/>
-            <pc:sldMk cId="2806804998" sldId="259"/>
-            <ac:spMk id="2" creationId="{48FFAD65-22BC-4431-9C46-9817701F9C66}"/>
-          </ac:spMkLst>
-        </pc:spChg>
-        <pc:spChg chg="add del mod">
-          <ac:chgData name="Cory Melendez" userId="6d3e901a-8604-460e-b419-46d12b5ab316" providerId="ADAL" clId="{578B02CD-0C8E-435E-B478-C4B6D7975939}" dt="2019-05-17T19:24:53.399" v="765"/>
-          <ac:spMkLst>
-            <pc:docMk/>
-            <pc:sldMk cId="2806804998" sldId="259"/>
-            <ac:spMk id="3" creationId="{9ABAAA74-138E-48CC-8CDE-EA3CC170EA5C}"/>
-          </ac:spMkLst>
-        </pc:spChg>
-        <pc:spChg chg="add del">
-          <ac:chgData name="Cory Melendez" userId="6d3e901a-8604-460e-b419-46d12b5ab316" providerId="ADAL" clId="{578B02CD-0C8E-435E-B478-C4B6D7975939}" dt="2019-05-17T19:21:14.539" v="739"/>
-          <ac:spMkLst>
-            <pc:docMk/>
-            <pc:sldMk cId="2806804998" sldId="259"/>
-            <ac:spMk id="4" creationId="{11A52634-21B6-43A9-B25A-FB305D61564B}"/>
-          </ac:spMkLst>
-        </pc:spChg>
-        <pc:spChg chg="add del">
-          <ac:chgData name="Cory Melendez" userId="6d3e901a-8604-460e-b419-46d12b5ab316" providerId="ADAL" clId="{578B02CD-0C8E-435E-B478-C4B6D7975939}" dt="2019-05-17T19:22:20.271" v="743"/>
-          <ac:spMkLst>
-            <pc:docMk/>
-            <pc:sldMk cId="2806804998" sldId="259"/>
-            <ac:spMk id="5" creationId="{6285177D-5C9F-49F1-8448-FCB39FDDF9B1}"/>
-          </ac:spMkLst>
-        </pc:spChg>
-        <pc:spChg chg="add del">
-          <ac:chgData name="Cory Melendez" userId="6d3e901a-8604-460e-b419-46d12b5ab316" providerId="ADAL" clId="{578B02CD-0C8E-435E-B478-C4B6D7975939}" dt="2019-05-17T19:22:26.587" v="745"/>
-          <ac:spMkLst>
-            <pc:docMk/>
-            <pc:sldMk cId="2806804998" sldId="259"/>
-            <ac:spMk id="6" creationId="{527A5656-E14F-4EFF-8D1E-1B816137ABBD}"/>
-          </ac:spMkLst>
-        </pc:spChg>
-        <pc:spChg chg="add del mod">
-          <ac:chgData name="Cory Melendez" userId="6d3e901a-8604-460e-b419-46d12b5ab316" providerId="ADAL" clId="{578B02CD-0C8E-435E-B478-C4B6D7975939}" dt="2019-05-17T19:28:10.003" v="886"/>
-          <ac:spMkLst>
-            <pc:docMk/>
-            <pc:sldMk cId="2806804998" sldId="259"/>
-            <ac:spMk id="7" creationId="{B0759578-607A-4AC5-9C8E-E760B9857753}"/>
-          </ac:spMkLst>
-        </pc:spChg>
-        <pc:spChg chg="add del mod">
-          <ac:chgData name="Cory Melendez" userId="6d3e901a-8604-460e-b419-46d12b5ab316" providerId="ADAL" clId="{578B02CD-0C8E-435E-B478-C4B6D7975939}" dt="2019-05-17T19:29:51.787" v="946"/>
-          <ac:spMkLst>
-            <pc:docMk/>
-            <pc:sldMk cId="2806804998" sldId="259"/>
-            <ac:spMk id="8" creationId="{87099C7A-7AE2-4493-9910-FBE49085E735}"/>
-          </ac:spMkLst>
-        </pc:spChg>
-        <pc:spChg chg="add del mod">
-          <ac:chgData name="Cory Melendez" userId="6d3e901a-8604-460e-b419-46d12b5ab316" providerId="ADAL" clId="{578B02CD-0C8E-435E-B478-C4B6D7975939}" dt="2019-05-17T19:28:55.854" v="921"/>
-          <ac:spMkLst>
-            <pc:docMk/>
-            <pc:sldMk cId="2806804998" sldId="259"/>
-            <ac:spMk id="9" creationId="{37E5FA88-8684-4A55-BC62-B4B51292ACCD}"/>
-          </ac:spMkLst>
-        </pc:spChg>
-        <pc:spChg chg="add del mod">
-          <ac:chgData name="Cory Melendez" userId="6d3e901a-8604-460e-b419-46d12b5ab316" providerId="ADAL" clId="{578B02CD-0C8E-435E-B478-C4B6D7975939}" dt="2019-05-17T19:29:06.308" v="924"/>
-          <ac:spMkLst>
-            <pc:docMk/>
-            <pc:sldMk cId="2806804998" sldId="259"/>
-            <ac:spMk id="10" creationId="{78DF0E4D-113C-481B-9A21-EF981512CFEA}"/>
-          </ac:spMkLst>
-        </pc:spChg>
-        <pc:spChg chg="add del mod">
-          <ac:chgData name="Cory Melendez" userId="6d3e901a-8604-460e-b419-46d12b5ab316" providerId="ADAL" clId="{578B02CD-0C8E-435E-B478-C4B6D7975939}" dt="2019-05-17T19:30:02.409" v="947"/>
-          <ac:spMkLst>
-            <pc:docMk/>
-            <pc:sldMk cId="2806804998" sldId="259"/>
-            <ac:spMk id="11" creationId="{C9AC9BE8-39AE-486B-8E73-C2A5E859D927}"/>
-          </ac:spMkLst>
-        </pc:spChg>
-      </pc:sldChg>
-      <pc:sldChg chg="modSp add del">
-        <pc:chgData name="Cory Melendez" userId="6d3e901a-8604-460e-b419-46d12b5ab316" providerId="ADAL" clId="{578B02CD-0C8E-435E-B478-C4B6D7975939}" dt="2019-05-17T19:30:55.571" v="963" actId="2696"/>
-        <pc:sldMkLst>
-          <pc:docMk/>
-          <pc:sldMk cId="896576896" sldId="260"/>
-        </pc:sldMkLst>
-        <pc:spChg chg="mod">
-          <ac:chgData name="Cory Melendez" userId="6d3e901a-8604-460e-b419-46d12b5ab316" providerId="ADAL" clId="{578B02CD-0C8E-435E-B478-C4B6D7975939}" dt="2019-05-17T19:27:56.970" v="885" actId="20577"/>
-          <ac:spMkLst>
-            <pc:docMk/>
-            <pc:sldMk cId="896576896" sldId="260"/>
-            <ac:spMk id="2" creationId="{0549EDE2-A9B9-4C31-933B-AE0388C733B4}"/>
-          </ac:spMkLst>
-        </pc:spChg>
-      </pc:sldChg>
-      <pc:sldChg chg="addSp delSp modSp add">
-        <pc:chgData name="Cory Melendez" userId="6d3e901a-8604-460e-b419-46d12b5ab316" providerId="ADAL" clId="{578B02CD-0C8E-435E-B478-C4B6D7975939}" dt="2019-05-17T19:29:00.666" v="923" actId="1076"/>
-        <pc:sldMkLst>
-          <pc:docMk/>
-          <pc:sldMk cId="3780637663" sldId="261"/>
-        </pc:sldMkLst>
-        <pc:spChg chg="mod">
-          <ac:chgData name="Cory Melendez" userId="6d3e901a-8604-460e-b419-46d12b5ab316" providerId="ADAL" clId="{578B02CD-0C8E-435E-B478-C4B6D7975939}" dt="2019-05-17T19:28:13.836" v="894" actId="20577"/>
-          <ac:spMkLst>
-            <pc:docMk/>
-            <pc:sldMk cId="3780637663" sldId="261"/>
-            <ac:spMk id="2" creationId="{5CD4ECB1-E32F-4033-A109-06678DF49492}"/>
-          </ac:spMkLst>
-        </pc:spChg>
-        <pc:spChg chg="add del">
-          <ac:chgData name="Cory Melendez" userId="6d3e901a-8604-460e-b419-46d12b5ab316" providerId="ADAL" clId="{578B02CD-0C8E-435E-B478-C4B6D7975939}" dt="2019-05-17T19:28:21.762" v="897" actId="478"/>
-          <ac:spMkLst>
-            <pc:docMk/>
-            <pc:sldMk cId="3780637663" sldId="261"/>
-            <ac:spMk id="3" creationId="{31B110C9-6A05-4008-9E1E-C2758E0171D3}"/>
-          </ac:spMkLst>
-        </pc:spChg>
-        <pc:spChg chg="add del mod">
-          <ac:chgData name="Cory Melendez" userId="6d3e901a-8604-460e-b419-46d12b5ab316" providerId="ADAL" clId="{578B02CD-0C8E-435E-B478-C4B6D7975939}" dt="2019-05-17T19:28:17.610" v="896"/>
-          <ac:spMkLst>
-            <pc:docMk/>
-            <pc:sldMk cId="3780637663" sldId="261"/>
-            <ac:spMk id="4" creationId="{9474CB47-8018-4674-93ED-5F7412B6353F}"/>
-          </ac:spMkLst>
-        </pc:spChg>
-        <pc:spChg chg="add mod">
-          <ac:chgData name="Cory Melendez" userId="6d3e901a-8604-460e-b419-46d12b5ab316" providerId="ADAL" clId="{578B02CD-0C8E-435E-B478-C4B6D7975939}" dt="2019-05-17T19:28:28.241" v="899" actId="1076"/>
-          <ac:spMkLst>
-            <pc:docMk/>
-            <pc:sldMk cId="3780637663" sldId="261"/>
-            <ac:spMk id="5" creationId="{FA0EEF4E-F1F0-4BF4-99A7-97D799661DBE}"/>
-          </ac:spMkLst>
-        </pc:spChg>
-        <pc:spChg chg="add mod">
-          <ac:chgData name="Cory Melendez" userId="6d3e901a-8604-460e-b419-46d12b5ab316" providerId="ADAL" clId="{578B02CD-0C8E-435E-B478-C4B6D7975939}" dt="2019-05-17T19:28:42.946" v="918" actId="20577"/>
-          <ac:spMkLst>
-            <pc:docMk/>
-            <pc:sldMk cId="3780637663" sldId="261"/>
-            <ac:spMk id="6" creationId="{10A35956-B797-4B07-B9DA-FF38E98310C4}"/>
-          </ac:spMkLst>
-        </pc:spChg>
-        <pc:spChg chg="add mod">
-          <ac:chgData name="Cory Melendez" userId="6d3e901a-8604-460e-b419-46d12b5ab316" providerId="ADAL" clId="{578B02CD-0C8E-435E-B478-C4B6D7975939}" dt="2019-05-17T19:28:52.453" v="920" actId="1076"/>
-          <ac:spMkLst>
-            <pc:docMk/>
-            <pc:sldMk cId="3780637663" sldId="261"/>
-            <ac:spMk id="7" creationId="{BD18365E-E16A-417B-9160-2333A5145FD8}"/>
-          </ac:spMkLst>
-        </pc:spChg>
-        <pc:spChg chg="add mod">
-          <ac:chgData name="Cory Melendez" userId="6d3e901a-8604-460e-b419-46d12b5ab316" providerId="ADAL" clId="{578B02CD-0C8E-435E-B478-C4B6D7975939}" dt="2019-05-17T19:29:00.666" v="923" actId="1076"/>
-          <ac:spMkLst>
-            <pc:docMk/>
-            <pc:sldMk cId="3780637663" sldId="261"/>
-            <ac:spMk id="8" creationId="{CE2417FB-A5A4-4E79-96DD-8B9E68DD5729}"/>
-          </ac:spMkLst>
-        </pc:spChg>
-      </pc:sldChg>
-      <pc:sldChg chg="addSp delSp modSp add">
-        <pc:chgData name="Cory Melendez" userId="6d3e901a-8604-460e-b419-46d12b5ab316" providerId="ADAL" clId="{578B02CD-0C8E-435E-B478-C4B6D7975939}" dt="2019-05-17T19:30:36.320" v="961"/>
-        <pc:sldMkLst>
-          <pc:docMk/>
-          <pc:sldMk cId="1044701584" sldId="262"/>
-        </pc:sldMkLst>
-        <pc:spChg chg="mod">
-          <ac:chgData name="Cory Melendez" userId="6d3e901a-8604-460e-b419-46d12b5ab316" providerId="ADAL" clId="{578B02CD-0C8E-435E-B478-C4B6D7975939}" dt="2019-05-17T19:29:26.700" v="938" actId="20577"/>
-          <ac:spMkLst>
-            <pc:docMk/>
-            <pc:sldMk cId="1044701584" sldId="262"/>
-            <ac:spMk id="2" creationId="{29BC308A-E147-4A73-A74D-60369C79EE8B}"/>
-          </ac:spMkLst>
-        </pc:spChg>
-        <pc:spChg chg="del">
-          <ac:chgData name="Cory Melendez" userId="6d3e901a-8604-460e-b419-46d12b5ab316" providerId="ADAL" clId="{578B02CD-0C8E-435E-B478-C4B6D7975939}" dt="2019-05-17T19:29:31.138" v="939" actId="478"/>
-          <ac:spMkLst>
-            <pc:docMk/>
-            <pc:sldMk cId="1044701584" sldId="262"/>
-            <ac:spMk id="3" creationId="{2AB67AE0-173E-4543-B50D-25D89E0B3F94}"/>
-          </ac:spMkLst>
-        </pc:spChg>
-        <pc:spChg chg="add mod">
-          <ac:chgData name="Cory Melendez" userId="6d3e901a-8604-460e-b419-46d12b5ab316" providerId="ADAL" clId="{578B02CD-0C8E-435E-B478-C4B6D7975939}" dt="2019-05-17T19:29:44.015" v="945" actId="1076"/>
-          <ac:spMkLst>
-            <pc:docMk/>
-            <pc:sldMk cId="1044701584" sldId="262"/>
-            <ac:spMk id="4" creationId="{78EFD95D-58CD-407C-83B9-6B58A90AAC07}"/>
-          </ac:spMkLst>
-        </pc:spChg>
-        <pc:spChg chg="add del mod">
-          <ac:chgData name="Cory Melendez" userId="6d3e901a-8604-460e-b419-46d12b5ab316" providerId="ADAL" clId="{578B02CD-0C8E-435E-B478-C4B6D7975939}" dt="2019-05-17T19:29:39.724" v="944" actId="478"/>
-          <ac:spMkLst>
-            <pc:docMk/>
-            <pc:sldMk cId="1044701584" sldId="262"/>
-            <ac:spMk id="5" creationId="{42FDBDC6-4424-4D88-A4B6-3CAB893B5B69}"/>
-          </ac:spMkLst>
-        </pc:spChg>
-        <pc:spChg chg="add mod">
-          <ac:chgData name="Cory Melendez" userId="6d3e901a-8604-460e-b419-46d12b5ab316" providerId="ADAL" clId="{578B02CD-0C8E-435E-B478-C4B6D7975939}" dt="2019-05-17T19:30:36.320" v="961"/>
-          <ac:spMkLst>
-            <pc:docMk/>
-            <pc:sldMk cId="1044701584" sldId="262"/>
-            <ac:spMk id="6" creationId="{3A6336D4-A7F5-4E5E-BF8E-130C7310CBD4}"/>
-          </ac:spMkLst>
-        </pc:spChg>
-      </pc:sldChg>
-      <pc:sldChg chg="delSp modSp add">
-        <pc:chgData name="Cory Melendez" userId="6d3e901a-8604-460e-b419-46d12b5ab316" providerId="ADAL" clId="{578B02CD-0C8E-435E-B478-C4B6D7975939}" dt="2019-05-17T19:50:47.753" v="1055" actId="255"/>
-        <pc:sldMkLst>
-          <pc:docMk/>
-          <pc:sldMk cId="1676088841" sldId="263"/>
-        </pc:sldMkLst>
-        <pc:spChg chg="mod">
-          <ac:chgData name="Cory Melendez" userId="6d3e901a-8604-460e-b419-46d12b5ab316" providerId="ADAL" clId="{578B02CD-0C8E-435E-B478-C4B6D7975939}" dt="2019-05-17T19:50:47.753" v="1055" actId="255"/>
-          <ac:spMkLst>
-            <pc:docMk/>
-            <pc:sldMk cId="1676088841" sldId="263"/>
-            <ac:spMk id="2" creationId="{71E5143A-F61E-4CDD-AF88-7647B7B0AA90}"/>
-          </ac:spMkLst>
-        </pc:spChg>
-        <pc:spChg chg="del">
-          <ac:chgData name="Cory Melendez" userId="6d3e901a-8604-460e-b419-46d12b5ab316" providerId="ADAL" clId="{578B02CD-0C8E-435E-B478-C4B6D7975939}" dt="2019-05-17T19:31:19.678" v="965" actId="478"/>
-          <ac:spMkLst>
-            <pc:docMk/>
-            <pc:sldMk cId="1676088841" sldId="263"/>
-            <ac:spMk id="3" creationId="{7A7CC874-3FD9-47C8-8E54-74B7ED682FCC}"/>
-          </ac:spMkLst>
-        </pc:spChg>
-      </pc:sldChg>
-      <pc:sldChg chg="addSp delSp modSp add">
-        <pc:chgData name="Cory Melendez" userId="6d3e901a-8604-460e-b419-46d12b5ab316" providerId="ADAL" clId="{578B02CD-0C8E-435E-B478-C4B6D7975939}" dt="2019-05-17T19:57:45.389" v="1285" actId="1076"/>
-        <pc:sldMkLst>
-          <pc:docMk/>
-          <pc:sldMk cId="3382380493" sldId="264"/>
-        </pc:sldMkLst>
-        <pc:spChg chg="mod">
-          <ac:chgData name="Cory Melendez" userId="6d3e901a-8604-460e-b419-46d12b5ab316" providerId="ADAL" clId="{578B02CD-0C8E-435E-B478-C4B6D7975939}" dt="2019-05-17T19:57:45.389" v="1285" actId="1076"/>
-          <ac:spMkLst>
-            <pc:docMk/>
-            <pc:sldMk cId="3382380493" sldId="264"/>
-            <ac:spMk id="2" creationId="{836DDFBA-C31F-4CA3-9E23-9F12880CB8A3}"/>
-          </ac:spMkLst>
-        </pc:spChg>
-        <pc:spChg chg="add del">
-          <ac:chgData name="Cory Melendez" userId="6d3e901a-8604-460e-b419-46d12b5ab316" providerId="ADAL" clId="{578B02CD-0C8E-435E-B478-C4B6D7975939}" dt="2019-05-17T19:51:40.856" v="1115" actId="478"/>
-          <ac:spMkLst>
-            <pc:docMk/>
-            <pc:sldMk cId="3382380493" sldId="264"/>
-            <ac:spMk id="3" creationId="{42DD25EA-31CD-4334-A276-24E9AAC2402B}"/>
-          </ac:spMkLst>
-        </pc:spChg>
-        <pc:spChg chg="add del mod">
-          <ac:chgData name="Cory Melendez" userId="6d3e901a-8604-460e-b419-46d12b5ab316" providerId="ADAL" clId="{578B02CD-0C8E-435E-B478-C4B6D7975939}" dt="2019-05-17T19:51:36.621" v="1113"/>
-          <ac:spMkLst>
-            <pc:docMk/>
-            <pc:sldMk cId="3382380493" sldId="264"/>
-            <ac:spMk id="4" creationId="{58D3EE1D-C28F-40D5-8549-5E3FF06A9108}"/>
-          </ac:spMkLst>
-        </pc:spChg>
-        <pc:spChg chg="add del mod">
-          <ac:chgData name="Cory Melendez" userId="6d3e901a-8604-460e-b419-46d12b5ab316" providerId="ADAL" clId="{578B02CD-0C8E-435E-B478-C4B6D7975939}" dt="2019-05-17T19:54:33.866" v="1206" actId="478"/>
-          <ac:spMkLst>
-            <pc:docMk/>
-            <pc:sldMk cId="3382380493" sldId="264"/>
-            <ac:spMk id="5" creationId="{D0718E8D-4613-4483-8CB9-05EC6B86CDF2}"/>
-          </ac:spMkLst>
-        </pc:spChg>
-        <pc:spChg chg="add mod">
-          <ac:chgData name="Cory Melendez" userId="6d3e901a-8604-460e-b419-46d12b5ab316" providerId="ADAL" clId="{578B02CD-0C8E-435E-B478-C4B6D7975939}" dt="2019-05-17T19:56:05.994" v="1279"/>
-          <ac:spMkLst>
-            <pc:docMk/>
-            <pc:sldMk cId="3382380493" sldId="264"/>
-            <ac:spMk id="6" creationId="{59E405FF-B149-42BA-9820-1D9538799AEB}"/>
-          </ac:spMkLst>
-        </pc:spChg>
-      </pc:sldChg>
-      <pc:sldChg chg="modSp add">
-        <pc:chgData name="Cory Melendez" userId="6d3e901a-8604-460e-b419-46d12b5ab316" providerId="ADAL" clId="{578B02CD-0C8E-435E-B478-C4B6D7975939}" dt="2019-05-17T20:20:58.348" v="1470" actId="20577"/>
-        <pc:sldMkLst>
-          <pc:docMk/>
-          <pc:sldMk cId="3139150838" sldId="265"/>
-        </pc:sldMkLst>
-        <pc:spChg chg="mod">
-          <ac:chgData name="Cory Melendez" userId="6d3e901a-8604-460e-b419-46d12b5ab316" providerId="ADAL" clId="{578B02CD-0C8E-435E-B478-C4B6D7975939}" dt="2019-05-17T20:10:48.944" v="1302" actId="20577"/>
-          <ac:spMkLst>
-            <pc:docMk/>
-            <pc:sldMk cId="3139150838" sldId="265"/>
-            <ac:spMk id="2" creationId="{E78DD270-FACC-4F36-BE00-9FD249AE7418}"/>
-          </ac:spMkLst>
-        </pc:spChg>
-        <pc:spChg chg="mod">
-          <ac:chgData name="Cory Melendez" userId="6d3e901a-8604-460e-b419-46d12b5ab316" providerId="ADAL" clId="{578B02CD-0C8E-435E-B478-C4B6D7975939}" dt="2019-05-17T20:20:58.348" v="1470" actId="20577"/>
-          <ac:spMkLst>
-            <pc:docMk/>
-            <pc:sldMk cId="3139150838" sldId="265"/>
-            <ac:spMk id="3" creationId="{381AE115-5FC6-4B16-BFEE-56C5A918191A}"/>
-          </ac:spMkLst>
-        </pc:spChg>
-      </pc:sldChg>
-    </pc:docChg>
-  </pc:docChgLst>
-</pc:chgInfo>
 </file>
 
 <file path=ppt/slideLayouts/slideLayout1.xml><?xml version="1.0" encoding="utf-8"?>
@@ -1225,7 +845,7 @@
             <a:fld id="{B61BEF0D-F0BB-DE4B-95CE-6DB70DBA9567}" type="datetimeFigureOut">
               <a:rPr lang="en-US" dirty="0"/>
               <a:pPr/>
-              <a:t>9/12/2019</a:t>
+              <a:t>9/13/2019</a:t>
             </a:fld>
             <a:endParaRPr lang="en-US" dirty="0"/>
           </a:p>
@@ -1473,7 +1093,7 @@
             <a:fld id="{B61BEF0D-F0BB-DE4B-95CE-6DB70DBA9567}" type="datetimeFigureOut">
               <a:rPr lang="en-US" dirty="0"/>
               <a:pPr/>
-              <a:t>9/12/2019</a:t>
+              <a:t>9/13/2019</a:t>
             </a:fld>
             <a:endParaRPr lang="en-US" dirty="0"/>
           </a:p>
@@ -1784,7 +1404,7 @@
             <a:fld id="{B61BEF0D-F0BB-DE4B-95CE-6DB70DBA9567}" type="datetimeFigureOut">
               <a:rPr lang="en-US" dirty="0"/>
               <a:pPr/>
-              <a:t>9/12/2019</a:t>
+              <a:t>9/13/2019</a:t>
             </a:fld>
             <a:endParaRPr lang="en-US" dirty="0"/>
           </a:p>
@@ -2122,7 +1742,7 @@
             <a:fld id="{B61BEF0D-F0BB-DE4B-95CE-6DB70DBA9567}" type="datetimeFigureOut">
               <a:rPr lang="en-US" dirty="0"/>
               <a:pPr/>
-              <a:t>9/12/2019</a:t>
+              <a:t>9/13/2019</a:t>
             </a:fld>
             <a:endParaRPr lang="en-US" dirty="0"/>
           </a:p>
@@ -2433,7 +2053,7 @@
             <a:fld id="{B61BEF0D-F0BB-DE4B-95CE-6DB70DBA9567}" type="datetimeFigureOut">
               <a:rPr lang="en-US" dirty="0"/>
               <a:pPr/>
-              <a:t>9/12/2019</a:t>
+              <a:t>9/13/2019</a:t>
             </a:fld>
             <a:endParaRPr lang="en-US" dirty="0"/>
           </a:p>
@@ -2823,7 +2443,7 @@
             <a:fld id="{B61BEF0D-F0BB-DE4B-95CE-6DB70DBA9567}" type="datetimeFigureOut">
               <a:rPr lang="en-US" dirty="0"/>
               <a:pPr/>
-              <a:t>9/12/2019</a:t>
+              <a:t>9/13/2019</a:t>
             </a:fld>
             <a:endParaRPr lang="en-US" dirty="0"/>
           </a:p>
@@ -2989,7 +2609,7 @@
           <a:p>
             <a:fld id="{55C6B4A9-1611-4792-9094-5F34BCA07E0B}" type="datetimeFigureOut">
               <a:rPr lang="en-US" dirty="0"/>
-              <a:t>9/12/2019</a:t>
+              <a:t>9/13/2019</a:t>
             </a:fld>
             <a:endParaRPr lang="en-US" dirty="0"/>
           </a:p>
@@ -3165,7 +2785,7 @@
             <a:fld id="{B61BEF0D-F0BB-DE4B-95CE-6DB70DBA9567}" type="datetimeFigureOut">
               <a:rPr lang="en-US" dirty="0"/>
               <a:pPr/>
-              <a:t>9/12/2019</a:t>
+              <a:t>9/13/2019</a:t>
             </a:fld>
             <a:endParaRPr lang="en-US" dirty="0"/>
           </a:p>
@@ -3338,7 +2958,7 @@
             <a:fld id="{B61BEF0D-F0BB-DE4B-95CE-6DB70DBA9567}" type="datetimeFigureOut">
               <a:rPr lang="en-US" dirty="0"/>
               <a:pPr/>
-              <a:t>9/12/2019</a:t>
+              <a:t>9/13/2019</a:t>
             </a:fld>
             <a:endParaRPr lang="en-US" dirty="0"/>
           </a:p>
@@ -3582,7 +3202,7 @@
             <a:fld id="{B61BEF0D-F0BB-DE4B-95CE-6DB70DBA9567}" type="datetimeFigureOut">
               <a:rPr lang="en-US" dirty="0"/>
               <a:pPr/>
-              <a:t>9/12/2019</a:t>
+              <a:t>9/13/2019</a:t>
             </a:fld>
             <a:endParaRPr lang="en-US" dirty="0"/>
           </a:p>
@@ -3810,7 +3430,7 @@
           <a:p>
             <a:fld id="{EB712588-04B1-427B-82EE-E8DB90309F08}" type="datetimeFigureOut">
               <a:rPr lang="en-US" dirty="0"/>
-              <a:t>9/12/2019</a:t>
+              <a:t>9/13/2019</a:t>
             </a:fld>
             <a:endParaRPr lang="en-US" dirty="0"/>
           </a:p>
@@ -4180,7 +3800,7 @@
             <a:fld id="{B61BEF0D-F0BB-DE4B-95CE-6DB70DBA9567}" type="datetimeFigureOut">
               <a:rPr lang="en-US" dirty="0"/>
               <a:pPr/>
-              <a:t>9/12/2019</a:t>
+              <a:t>9/13/2019</a:t>
             </a:fld>
             <a:endParaRPr lang="en-US" dirty="0"/>
           </a:p>
@@ -4300,7 +3920,7 @@
             <a:fld id="{B61BEF0D-F0BB-DE4B-95CE-6DB70DBA9567}" type="datetimeFigureOut">
               <a:rPr lang="en-US" dirty="0"/>
               <a:pPr/>
-              <a:t>9/12/2019</a:t>
+              <a:t>9/13/2019</a:t>
             </a:fld>
             <a:endParaRPr lang="en-US" dirty="0"/>
           </a:p>
@@ -4392,7 +4012,7 @@
             <a:fld id="{B61BEF0D-F0BB-DE4B-95CE-6DB70DBA9567}" type="datetimeFigureOut">
               <a:rPr lang="en-US" dirty="0"/>
               <a:pPr/>
-              <a:t>9/12/2019</a:t>
+              <a:t>9/13/2019</a:t>
             </a:fld>
             <a:endParaRPr lang="en-US" dirty="0"/>
           </a:p>
@@ -4643,7 +4263,7 @@
           <a:p>
             <a:fld id="{42A54C80-263E-416B-A8E0-580EDEADCBDC}" type="datetimeFigureOut">
               <a:rPr lang="en-US" dirty="0"/>
-              <a:t>9/12/2019</a:t>
+              <a:t>9/13/2019</a:t>
             </a:fld>
             <a:endParaRPr lang="en-US" dirty="0"/>
           </a:p>
@@ -4902,7 +4522,7 @@
             <a:fld id="{B61BEF0D-F0BB-DE4B-95CE-6DB70DBA9567}" type="datetimeFigureOut">
               <a:rPr lang="en-US" dirty="0"/>
               <a:pPr/>
-              <a:t>9/12/2019</a:t>
+              <a:t>9/13/2019</a:t>
             </a:fld>
             <a:endParaRPr lang="en-US" dirty="0"/>
           </a:p>
@@ -5642,7 +5262,7 @@
             <a:fld id="{B61BEF0D-F0BB-DE4B-95CE-6DB70DBA9567}" type="datetimeFigureOut">
               <a:rPr lang="en-US" dirty="0"/>
               <a:pPr/>
-              <a:t>9/12/2019</a:t>
+              <a:t>9/13/2019</a:t>
             </a:fld>
             <a:endParaRPr lang="en-US" dirty="0"/>
           </a:p>
